--- a/Unit 14/FLS/FLS ASSIGNMENT UNIT 14.pptx
+++ b/Unit 14/FLS/FLS ASSIGNMENT UNIT 14.pptx
@@ -235,7 +235,7 @@
           <a:p>
             <a:fld id="{28570D6A-FB49-A14C-9B03-21B3417100CD}" type="datetimeFigureOut">
               <a:rPr lang="en-US" smtClean="0"/>
-              <a:t>7/27/21</a:t>
+              <a:t>4/6/23</a:t>
             </a:fld>
             <a:endParaRPr lang="en-US" dirty="0"/>
           </a:p>
@@ -3704,11 +3704,7 @@
           <a:p>
             <a:r>
               <a:rPr lang="en-US" dirty="0"/>
-              <a:t>Simply Answer the Question at the end of </a:t>
-            </a:r>
-            <a:r>
-              <a:rPr lang="en-US"/>
-              <a:t>the video in 14.13.1!</a:t>
+              <a:t>Simply Answer the Question that Dr. McGee posed at the end of the Cross Validation video!</a:t>
             </a:r>
             <a:br>
               <a:rPr lang="en-US" dirty="0"/>
